--- a/docs/D-Language.pptx
+++ b/docs/D-Language.pptx
@@ -5,16 +5,17 @@
     <p:sldMasterId id="2147483660" r:id="rId1"/>
   </p:sldMasterIdLst>
   <p:notesMasterIdLst>
-    <p:notesMasterId r:id="rId9"/>
+    <p:notesMasterId r:id="rId10"/>
   </p:notesMasterIdLst>
   <p:sldIdLst>
     <p:sldId id="256" r:id="rId2"/>
     <p:sldId id="257" r:id="rId3"/>
-    <p:sldId id="258" r:id="rId4"/>
-    <p:sldId id="259" r:id="rId5"/>
-    <p:sldId id="260" r:id="rId6"/>
-    <p:sldId id="261" r:id="rId7"/>
-    <p:sldId id="262" r:id="rId8"/>
+    <p:sldId id="259" r:id="rId4"/>
+    <p:sldId id="260" r:id="rId5"/>
+    <p:sldId id="263" r:id="rId6"/>
+    <p:sldId id="264" r:id="rId7"/>
+    <p:sldId id="265" r:id="rId8"/>
+    <p:sldId id="262" r:id="rId9"/>
   </p:sldIdLst>
   <p:sldSz cx="12192000" cy="6858000"/>
   <p:notesSz cx="6858000" cy="9144000"/>
@@ -124,7 +125,8 @@
 <file path=ppt/revisionInfo.xml><?xml version="1.0" encoding="utf-8"?>
 <p1510:revInfo xmlns:a="http://schemas.openxmlformats.org/drawingml/2006/main" xmlns:r="http://schemas.openxmlformats.org/officeDocument/2006/relationships" xmlns:p1510="http://schemas.microsoft.com/office/powerpoint/2015/10/main">
   <p1510:revLst>
-    <p1510:client id="{18F57C5A-1C78-D618-7AD3-E13EA72C4BED}" v="78" dt="2024-02-26T02:00:24.589"/>
+    <p1510:client id="{18F57C5A-1C78-D618-7AD3-E13EA72C4BED}" v="130" dt="2024-02-26T02:24:00.618"/>
+    <p1510:client id="{A693603B-8FC3-09A8-7E68-A8CE40EEB069}" v="143" dt="2024-02-26T02:19:43.733"/>
   </p1510:revLst>
 </p1510:revInfo>
 </file>
@@ -625,7 +627,21 @@
                 <a:ea typeface="Calibri"/>
                 <a:cs typeface="Calibri"/>
               </a:rPr>
-              <a:t>D-Language uses easy to read and easy to understand syntax. </a:t>
+              <a:t>The clarity in our language would help with </a:t>
+            </a:r>
+            <a:r>
+              <a:rPr lang="en-US" dirty="0" err="1">
+                <a:ea typeface="Calibri"/>
+                <a:cs typeface="Calibri"/>
+              </a:rPr>
+              <a:t>collabing</a:t>
+            </a:r>
+            <a:r>
+              <a:rPr lang="en-US" dirty="0">
+                <a:ea typeface="Calibri"/>
+                <a:cs typeface="Calibri"/>
+              </a:rPr>
+              <a:t> with other developers. If you are working on a project with a peer and they need to check your code, there wouldn't be a lot of clutter. D-language promotes easy to read indentation and syntax.</a:t>
             </a:r>
           </a:p>
         </p:txBody>
@@ -647,7 +663,7 @@
           <a:p>
             <a:fld id="{E3491D13-ECAF-4D13-855D-C7E93FF768A7}" type="slidenum">
               <a:rPr lang="en-US"/>
-              <a:t>3</a:t>
+              <a:t>4</a:t>
             </a:fld>
             <a:endParaRPr lang="en-US"/>
           </a:p>
@@ -656,7 +672,7 @@
     </p:spTree>
     <p:extLst>
       <p:ext uri="{BB962C8B-B14F-4D97-AF65-F5344CB8AC3E}">
-        <p14:creationId xmlns:p14="http://schemas.microsoft.com/office/powerpoint/2010/main" val="263176175"/>
+        <p14:creationId xmlns:p14="http://schemas.microsoft.com/office/powerpoint/2010/main" val="1743720937"/>
       </p:ext>
     </p:extLst>
   </p:cSld>
@@ -715,111 +731,7 @@
                 <a:ea typeface="Calibri"/>
                 <a:cs typeface="Calibri"/>
               </a:rPr>
-              <a:t>The clarity in our language would help with </a:t>
-            </a:r>
-            <a:r>
-              <a:rPr lang="en-US" dirty="0" err="1">
-                <a:ea typeface="Calibri"/>
-                <a:cs typeface="Calibri"/>
-              </a:rPr>
-              <a:t>collabing</a:t>
-            </a:r>
-            <a:r>
-              <a:rPr lang="en-US" dirty="0">
-                <a:ea typeface="Calibri"/>
-                <a:cs typeface="Calibri"/>
-              </a:rPr>
-              <a:t> with other developers. If you are working on a project with a peer and they need to check your code, there wouldn't be a lot of clutter. D-language promotes easy to read indentation and syntax.</a:t>
-            </a:r>
-          </a:p>
-        </p:txBody>
-      </p:sp>
-      <p:sp>
-        <p:nvSpPr>
-          <p:cNvPr id="4" name="Slide Number Placeholder 3"/>
-          <p:cNvSpPr>
-            <a:spLocks noGrp="1"/>
-          </p:cNvSpPr>
-          <p:nvPr>
-            <p:ph type="sldNum" sz="quarter" idx="5"/>
-          </p:nvPr>
-        </p:nvSpPr>
-        <p:spPr/>
-        <p:txBody>
-          <a:bodyPr/>
-          <a:lstStyle/>
-          <a:p>
-            <a:fld id="{E3491D13-ECAF-4D13-855D-C7E93FF768A7}" type="slidenum">
-              <a:rPr lang="en-US"/>
-              <a:t>4</a:t>
-            </a:fld>
-            <a:endParaRPr lang="en-US"/>
-          </a:p>
-        </p:txBody>
-      </p:sp>
-    </p:spTree>
-    <p:extLst>
-      <p:ext uri="{BB962C8B-B14F-4D97-AF65-F5344CB8AC3E}">
-        <p14:creationId xmlns:p14="http://schemas.microsoft.com/office/powerpoint/2010/main" val="1743720937"/>
-      </p:ext>
-    </p:extLst>
-  </p:cSld>
-  <p:clrMapOvr>
-    <a:masterClrMapping/>
-  </p:clrMapOvr>
-</p:notes>
-</file>
-
-<file path=ppt/notesSlides/notesSlide4.xml><?xml version="1.0" encoding="utf-8"?>
-<p:notes xmlns:a="http://schemas.openxmlformats.org/drawingml/2006/main" xmlns:r="http://schemas.openxmlformats.org/officeDocument/2006/relationships" xmlns:p="http://schemas.openxmlformats.org/presentationml/2006/main">
-  <p:cSld>
-    <p:spTree>
-      <p:nvGrpSpPr>
-        <p:cNvPr id="1" name=""/>
-        <p:cNvGrpSpPr/>
-        <p:nvPr/>
-      </p:nvGrpSpPr>
-      <p:grpSpPr>
-        <a:xfrm>
-          <a:off x="0" y="0"/>
-          <a:ext cx="0" cy="0"/>
-          <a:chOff x="0" y="0"/>
-          <a:chExt cx="0" cy="0"/>
-        </a:xfrm>
-      </p:grpSpPr>
-      <p:sp>
-        <p:nvSpPr>
-          <p:cNvPr id="2" name="Slide Image Placeholder 1"/>
-          <p:cNvSpPr>
-            <a:spLocks noGrp="1" noRot="1" noChangeAspect="1"/>
-          </p:cNvSpPr>
-          <p:nvPr>
-            <p:ph type="sldImg"/>
-          </p:nvPr>
-        </p:nvSpPr>
-        <p:spPr/>
-      </p:sp>
-      <p:sp>
-        <p:nvSpPr>
-          <p:cNvPr id="3" name="Notes Placeholder 2"/>
-          <p:cNvSpPr>
-            <a:spLocks noGrp="1"/>
-          </p:cNvSpPr>
-          <p:nvPr>
-            <p:ph type="body" idx="1"/>
-          </p:nvPr>
-        </p:nvSpPr>
-        <p:spPr/>
-        <p:txBody>
-          <a:bodyPr/>
-          <a:lstStyle/>
-          <a:p>
-            <a:r>
-              <a:rPr lang="en-US" dirty="0">
-                <a:ea typeface="Calibri"/>
-                <a:cs typeface="Calibri"/>
-              </a:rPr>
-              <a:t>With our high level language, it is easier for people who are getting into programming to read. Lets say you get really good at using D-language as a starter, and want to move away from it. You will see very similar syntax being used in other programs, this making learning other languages easier. Then the person realizes that D-Language is the best and comes back. </a:t>
+              <a:t>We used the normal data type so it would not create any confusion when using our language.</a:t>
             </a:r>
           </a:p>
         </p:txBody>
@@ -851,96 +763,6 @@
     <p:extLst>
       <p:ext uri="{BB962C8B-B14F-4D97-AF65-F5344CB8AC3E}">
         <p14:creationId xmlns:p14="http://schemas.microsoft.com/office/powerpoint/2010/main" val="1610394734"/>
-      </p:ext>
-    </p:extLst>
-  </p:cSld>
-  <p:clrMapOvr>
-    <a:masterClrMapping/>
-  </p:clrMapOvr>
-</p:notes>
-</file>
-
-<file path=ppt/notesSlides/notesSlide5.xml><?xml version="1.0" encoding="utf-8"?>
-<p:notes xmlns:a="http://schemas.openxmlformats.org/drawingml/2006/main" xmlns:r="http://schemas.openxmlformats.org/officeDocument/2006/relationships" xmlns:p="http://schemas.openxmlformats.org/presentationml/2006/main">
-  <p:cSld>
-    <p:spTree>
-      <p:nvGrpSpPr>
-        <p:cNvPr id="1" name=""/>
-        <p:cNvGrpSpPr/>
-        <p:nvPr/>
-      </p:nvGrpSpPr>
-      <p:grpSpPr>
-        <a:xfrm>
-          <a:off x="0" y="0"/>
-          <a:ext cx="0" cy="0"/>
-          <a:chOff x="0" y="0"/>
-          <a:chExt cx="0" cy="0"/>
-        </a:xfrm>
-      </p:grpSpPr>
-      <p:sp>
-        <p:nvSpPr>
-          <p:cNvPr id="2" name="Slide Image Placeholder 1"/>
-          <p:cNvSpPr>
-            <a:spLocks noGrp="1" noRot="1" noChangeAspect="1"/>
-          </p:cNvSpPr>
-          <p:nvPr>
-            <p:ph type="sldImg"/>
-          </p:nvPr>
-        </p:nvSpPr>
-        <p:spPr/>
-      </p:sp>
-      <p:sp>
-        <p:nvSpPr>
-          <p:cNvPr id="3" name="Notes Placeholder 2"/>
-          <p:cNvSpPr>
-            <a:spLocks noGrp="1"/>
-          </p:cNvSpPr>
-          <p:nvPr>
-            <p:ph type="body" idx="1"/>
-          </p:nvPr>
-        </p:nvSpPr>
-        <p:spPr/>
-        <p:txBody>
-          <a:bodyPr/>
-          <a:lstStyle/>
-          <a:p>
-            <a:r>
-              <a:rPr lang="en-US" dirty="0">
-                <a:ea typeface="Calibri"/>
-                <a:cs typeface="Calibri"/>
-              </a:rPr>
-              <a:t>Our future goals would be to create more libraries/ tools so we can support every possible use case. The end goal is to take down python as the most used language.</a:t>
-            </a:r>
-          </a:p>
-        </p:txBody>
-      </p:sp>
-      <p:sp>
-        <p:nvSpPr>
-          <p:cNvPr id="4" name="Slide Number Placeholder 3"/>
-          <p:cNvSpPr>
-            <a:spLocks noGrp="1"/>
-          </p:cNvSpPr>
-          <p:nvPr>
-            <p:ph type="sldNum" sz="quarter" idx="5"/>
-          </p:nvPr>
-        </p:nvSpPr>
-        <p:spPr/>
-        <p:txBody>
-          <a:bodyPr/>
-          <a:lstStyle/>
-          <a:p>
-            <a:fld id="{E3491D13-ECAF-4D13-855D-C7E93FF768A7}" type="slidenum">
-              <a:rPr lang="en-US"/>
-              <a:t>6</a:t>
-            </a:fld>
-            <a:endParaRPr lang="en-US"/>
-          </a:p>
-        </p:txBody>
-      </p:sp>
-    </p:spTree>
-    <p:extLst>
-      <p:ext uri="{BB962C8B-B14F-4D97-AF65-F5344CB8AC3E}">
-        <p14:creationId xmlns:p14="http://schemas.microsoft.com/office/powerpoint/2010/main" val="542562306"/>
       </p:ext>
     </p:extLst>
   </p:cSld>
@@ -5182,7 +5004,7 @@
           <p:cNvPr id="2" name="Title 1">
             <a:extLst>
               <a:ext uri="{FF2B5EF4-FFF2-40B4-BE49-F238E27FC236}">
-                <a16:creationId xmlns:a16="http://schemas.microsoft.com/office/drawing/2014/main" id="{8931E332-6BD0-E110-FFC5-B89ACC8C3945}"/>
+                <a16:creationId xmlns:a16="http://schemas.microsoft.com/office/drawing/2014/main" id="{2DB3C997-D408-E167-5D3E-32EC128D23CA}"/>
               </a:ext>
             </a:extLst>
           </p:cNvPr>
@@ -5209,7 +5031,7 @@
               <a:rPr lang="en-US" sz="4000">
                 <a:cs typeface="Calibri Light"/>
               </a:rPr>
-              <a:t>Key features</a:t>
+              <a:t>Design principles</a:t>
             </a:r>
             <a:endParaRPr lang="en-US" sz="4000"/>
           </a:p>
@@ -5288,7 +5110,7 @@
           <p:cNvPr id="3" name="Content Placeholder 2">
             <a:extLst>
               <a:ext uri="{FF2B5EF4-FFF2-40B4-BE49-F238E27FC236}">
-                <a16:creationId xmlns:a16="http://schemas.microsoft.com/office/drawing/2014/main" id="{0FF17C50-C834-5448-78C1-5CE306995613}"/>
+                <a16:creationId xmlns:a16="http://schemas.microsoft.com/office/drawing/2014/main" id="{5972326F-83B5-073E-2DB0-A620B4CAB74F}"/>
               </a:ext>
             </a:extLst>
           </p:cNvPr>
@@ -5302,7 +5124,7 @@
         <p:spPr>
           <a:xfrm>
             <a:off x="1115568" y="2481943"/>
-            <a:ext cx="9880581" cy="4284491"/>
+            <a:ext cx="10168128" cy="3695020"/>
           </a:xfrm>
         </p:spPr>
         <p:txBody>
@@ -5311,75 +5133,37 @@
           </a:bodyPr>
           <a:lstStyle/>
           <a:p>
-            <a:pPr lvl="1">
-              <a:buFont typeface="Calibri" panose="020B0604020202020204" pitchFamily="34" charset="0"/>
-              <a:buChar char="-"/>
-            </a:pPr>
             <a:r>
               <a:rPr lang="en-US" sz="2200" dirty="0">
                 <a:cs typeface="Calibri"/>
               </a:rPr>
-              <a:t>Simplicity</a:t>
-            </a:r>
-            <a:endParaRPr lang="en-US" dirty="0"/>
-          </a:p>
-          <a:p>
-            <a:pPr marL="457200" lvl="1" indent="0">
-              <a:buNone/>
-            </a:pPr>
+              <a:t>Clarity</a:t>
+            </a:r>
+          </a:p>
+          <a:p>
             <a:endParaRPr lang="en-US" sz="2200" dirty="0">
               <a:cs typeface="Calibri"/>
             </a:endParaRPr>
           </a:p>
           <a:p>
-            <a:pPr lvl="1">
-              <a:buFont typeface="Calibri" panose="020B0604020202020204" pitchFamily="34" charset="0"/>
-              <a:buChar char="-"/>
-            </a:pPr>
             <a:r>
               <a:rPr lang="en-US" sz="2200" dirty="0">
                 <a:cs typeface="Calibri"/>
               </a:rPr>
-              <a:t>Readability</a:t>
-            </a:r>
-          </a:p>
-          <a:p>
-            <a:pPr marL="457200" lvl="1" indent="0">
-              <a:buNone/>
-            </a:pPr>
+              <a:t>Flexibility</a:t>
+            </a:r>
+          </a:p>
+          <a:p>
             <a:endParaRPr lang="en-US" sz="2200" dirty="0">
               <a:cs typeface="Calibri"/>
             </a:endParaRPr>
           </a:p>
           <a:p>
-            <a:pPr lvl="1">
-              <a:buFont typeface="Calibri" panose="020B0604020202020204" pitchFamily="34" charset="0"/>
-              <a:buChar char="-"/>
-            </a:pPr>
             <a:r>
               <a:rPr lang="en-US" sz="2200" dirty="0">
                 <a:cs typeface="Calibri"/>
               </a:rPr>
-              <a:t>Functionality</a:t>
-            </a:r>
-          </a:p>
-          <a:p>
-            <a:pPr marL="457200" lvl="1" indent="0">
-              <a:buNone/>
-            </a:pPr>
-            <a:endParaRPr lang="en-US" sz="2200">
-              <a:cs typeface="Calibri"/>
-            </a:endParaRPr>
-          </a:p>
-          <a:p>
-            <a:pPr marL="457200" lvl="1" indent="0">
-              <a:buNone/>
-            </a:pPr>
-            <a:r>
-              <a:rPr lang="en-US" sz="2200" dirty="0">
-                <a:cs typeface="Calibri"/>
-              </a:rPr>
-              <a:t> </a:t>
+              <a:t>Compatibility</a:t>
             </a:r>
           </a:p>
         </p:txBody>
@@ -5387,7 +5171,7 @@
     </p:spTree>
     <p:extLst>
       <p:ext uri="{BB962C8B-B14F-4D97-AF65-F5344CB8AC3E}">
-        <p14:creationId xmlns:p14="http://schemas.microsoft.com/office/powerpoint/2010/main" val="2705012272"/>
+        <p14:creationId xmlns:p14="http://schemas.microsoft.com/office/powerpoint/2010/main" val="1518555556"/>
       </p:ext>
     </p:extLst>
   </p:cSld>
@@ -5676,7 +5460,7 @@
           <p:cNvPr id="2" name="Title 1">
             <a:extLst>
               <a:ext uri="{FF2B5EF4-FFF2-40B4-BE49-F238E27FC236}">
-                <a16:creationId xmlns:a16="http://schemas.microsoft.com/office/drawing/2014/main" id="{2DB3C997-D408-E167-5D3E-32EC128D23CA}"/>
+                <a16:creationId xmlns:a16="http://schemas.microsoft.com/office/drawing/2014/main" id="{82FE5982-1490-5C07-24F1-3968A5AE34D7}"/>
               </a:ext>
             </a:extLst>
           </p:cNvPr>
@@ -5700,12 +5484,11 @@
           <a:lstStyle/>
           <a:p>
             <a:r>
-              <a:rPr lang="en-US" sz="4000">
+              <a:rPr lang="en-US" sz="4000" dirty="0">
                 <a:cs typeface="Calibri Light"/>
               </a:rPr>
-              <a:t>Design principles</a:t>
-            </a:r>
-            <a:endParaRPr lang="en-US" sz="4000"/>
+              <a:t>Data types</a:t>
+            </a:r>
           </a:p>
         </p:txBody>
       </p:sp>
@@ -5779,24 +5562,71 @@
       </p:sp>
       <p:sp>
         <p:nvSpPr>
-          <p:cNvPr id="3" name="Content Placeholder 2">
+          <p:cNvPr id="4" name="TextBox 3">
             <a:extLst>
               <a:ext uri="{FF2B5EF4-FFF2-40B4-BE49-F238E27FC236}">
-                <a16:creationId xmlns:a16="http://schemas.microsoft.com/office/drawing/2014/main" id="{5972326F-83B5-073E-2DB0-A620B4CAB74F}"/>
+                <a16:creationId xmlns:a16="http://schemas.microsoft.com/office/drawing/2014/main" id="{3AC55F25-677C-CA94-0D95-C1AF0A5767EC}"/>
               </a:ext>
             </a:extLst>
           </p:cNvPr>
-          <p:cNvSpPr>
-            <a:spLocks noGrp="1"/>
-          </p:cNvSpPr>
-          <p:nvPr>
-            <p:ph idx="1"/>
-          </p:nvPr>
+          <p:cNvSpPr txBox="1"/>
+          <p:nvPr/>
         </p:nvSpPr>
         <p:spPr>
           <a:xfrm>
-            <a:off x="1115568" y="2481943"/>
-            <a:ext cx="10168128" cy="3695020"/>
+            <a:off x="6710487" y="2915665"/>
+            <a:ext cx="6176073" cy="1200329"/>
+          </a:xfrm>
+          <a:prstGeom prst="rect">
+            <a:avLst/>
+          </a:prstGeom>
+          <a:noFill/>
+        </p:spPr>
+        <p:txBody>
+          <a:bodyPr rot="0" spcFirstLastPara="0" vertOverflow="overflow" horzOverflow="overflow" vert="horz" wrap="square" lIns="91440" tIns="45720" rIns="91440" bIns="45720" numCol="1" spcCol="0" rtlCol="0" fromWordArt="0" anchor="t" anchorCtr="0" forceAA="0" compatLnSpc="1">
+            <a:prstTxWarp prst="textNoShape">
+              <a:avLst/>
+            </a:prstTxWarp>
+            <a:spAutoFit/>
+          </a:bodyPr>
+          <a:lstStyle/>
+          <a:p>
+            <a:r>
+              <a:rPr lang="en-US" dirty="0">
+                <a:solidFill>
+                  <a:srgbClr val="1F2328"/>
+                </a:solidFill>
+                <a:latin typeface="Consolas"/>
+              </a:rPr>
+              <a:t>INTEGER (e.g., 123, 0, -456)
+FLOAT (e.g., 123.45, -0.67)
+STRING (e.g., "hello", 'world')
+BOOLEAN (true, false)</a:t>
+            </a:r>
+            <a:endParaRPr lang="en-US" dirty="0"/>
+          </a:p>
+        </p:txBody>
+      </p:sp>
+      <p:sp>
+        <p:nvSpPr>
+          <p:cNvPr id="6" name="Content Placeholder 5">
+            <a:extLst>
+              <a:ext uri="{FF2B5EF4-FFF2-40B4-BE49-F238E27FC236}">
+                <a16:creationId xmlns:a16="http://schemas.microsoft.com/office/drawing/2014/main" id="{2EAEA12B-D17A-B94E-8F8A-91D842921EA6}"/>
+              </a:ext>
+            </a:extLst>
+          </p:cNvPr>
+          <p:cNvSpPr>
+            <a:spLocks noGrp="1"/>
+          </p:cNvSpPr>
+          <p:nvPr>
+            <p:ph idx="1"/>
+          </p:nvPr>
+        </p:nvSpPr>
+        <p:spPr>
+          <a:xfrm>
+            <a:off x="632581" y="2176387"/>
+            <a:ext cx="10515600" cy="4351338"/>
           </a:xfrm>
         </p:spPr>
         <p:txBody>
@@ -5806,44 +5636,19 @@
           <a:lstStyle/>
           <a:p>
             <a:r>
-              <a:rPr lang="en-US" sz="2200" dirty="0">
+              <a:rPr lang="en-US" dirty="0">
                 <a:cs typeface="Calibri"/>
               </a:rPr>
-              <a:t>Clarity</a:t>
-            </a:r>
-          </a:p>
-          <a:p>
-            <a:endParaRPr lang="en-US" sz="2200" dirty="0">
-              <a:cs typeface="Calibri"/>
-            </a:endParaRPr>
-          </a:p>
-          <a:p>
-            <a:r>
-              <a:rPr lang="en-US" sz="2200" dirty="0">
-                <a:cs typeface="Calibri"/>
-              </a:rPr>
-              <a:t>Flexibility</a:t>
-            </a:r>
-          </a:p>
-          <a:p>
-            <a:endParaRPr lang="en-US" sz="2200" dirty="0">
-              <a:cs typeface="Calibri"/>
-            </a:endParaRPr>
-          </a:p>
-          <a:p>
-            <a:r>
-              <a:rPr lang="en-US" sz="2200" dirty="0">
-                <a:cs typeface="Calibri"/>
-              </a:rPr>
-              <a:t>Compatibility</a:t>
-            </a:r>
+              <a:t>Using the normal data types</a:t>
+            </a:r>
+            <a:endParaRPr lang="en-US" dirty="0"/>
           </a:p>
         </p:txBody>
       </p:sp>
     </p:spTree>
     <p:extLst>
       <p:ext uri="{BB962C8B-B14F-4D97-AF65-F5344CB8AC3E}">
-        <p14:creationId xmlns:p14="http://schemas.microsoft.com/office/powerpoint/2010/main" val="1518555556"/>
+        <p14:creationId xmlns:p14="http://schemas.microsoft.com/office/powerpoint/2010/main" val="97662029"/>
       </p:ext>
     </p:extLst>
   </p:cSld>
@@ -5856,14 +5661,6 @@
 <file path=ppt/slides/slide5.xml><?xml version="1.0" encoding="utf-8"?>
 <p:sld xmlns:a="http://schemas.openxmlformats.org/drawingml/2006/main" xmlns:r="http://schemas.openxmlformats.org/officeDocument/2006/relationships" xmlns:p="http://schemas.openxmlformats.org/presentationml/2006/main">
   <p:cSld>
-    <p:bg>
-      <p:bgPr>
-        <a:solidFill>
-          <a:schemeClr val="bg1"/>
-        </a:solidFill>
-        <a:effectLst/>
-      </p:bgPr>
-    </p:bg>
     <p:spTree>
       <p:nvGrpSpPr>
         <p:cNvPr id="1" name=""/>
@@ -5878,381 +5675,57 @@
           <a:chExt cx="0" cy="0"/>
         </a:xfrm>
       </p:grpSpPr>
-      <p:sp useBgFill="1">
-        <p:nvSpPr>
-          <p:cNvPr id="8" name="Rectangle 7">
+      <p:sp>
+        <p:nvSpPr>
+          <p:cNvPr id="2" name="Title 1">
             <a:extLst>
               <a:ext uri="{FF2B5EF4-FFF2-40B4-BE49-F238E27FC236}">
-                <a16:creationId xmlns:a16="http://schemas.microsoft.com/office/drawing/2014/main" id="{DAF1966E-FD40-4A4A-B61B-C4DF7FA05F06}"/>
-              </a:ext>
-              <a:ext uri="{C183D7F6-B498-43B3-948B-1728B52AA6E4}">
-                <adec:decorative xmlns:adec="http://schemas.microsoft.com/office/drawing/2017/decorative" val="1"/>
+                <a16:creationId xmlns:a16="http://schemas.microsoft.com/office/drawing/2014/main" id="{FEE15764-4C74-61C4-E7C4-E1794F5C143F}"/>
               </a:ext>
             </a:extLst>
           </p:cNvPr>
           <p:cNvSpPr>
-            <a:spLocks noGrp="1" noRot="1" noChangeAspect="1" noMove="1" noResize="1" noEditPoints="1" noAdjustHandles="1" noChangeArrowheads="1" noChangeShapeType="1" noTextEdit="1"/>
-          </p:cNvSpPr>
-          <p:nvPr>
-            <p:extLst>
-              <p:ext uri="{386F3935-93C4-4BCD-93E2-E3B085C9AB24}">
-                <p16:designElem xmlns:p16="http://schemas.microsoft.com/office/powerpoint/2015/main" val="1"/>
-              </p:ext>
-            </p:extLst>
-          </p:nvPr>
-        </p:nvSpPr>
-        <p:spPr>
-          <a:xfrm>
-            <a:off x="0" y="0"/>
-            <a:ext cx="12192000" cy="6858000"/>
-          </a:xfrm>
-          <a:prstGeom prst="rect">
-            <a:avLst/>
-          </a:prstGeom>
-          <a:ln>
-            <a:noFill/>
-          </a:ln>
-        </p:spPr>
-        <p:style>
-          <a:lnRef idx="2">
-            <a:schemeClr val="accent1">
-              <a:shade val="50000"/>
-            </a:schemeClr>
-          </a:lnRef>
-          <a:fillRef idx="1">
-            <a:schemeClr val="accent1"/>
-          </a:fillRef>
-          <a:effectRef idx="0">
-            <a:schemeClr val="accent1"/>
-          </a:effectRef>
-          <a:fontRef idx="minor">
-            <a:schemeClr val="lt1"/>
-          </a:fontRef>
-        </p:style>
-        <p:txBody>
-          <a:bodyPr rtlCol="0" anchor="ctr"/>
-          <a:lstStyle/>
-          <a:p>
-            <a:pPr algn="ctr"/>
-            <a:endParaRPr lang="en-US"/>
-          </a:p>
-        </p:txBody>
-      </p:sp>
-      <p:sp useBgFill="1">
-        <p:nvSpPr>
-          <p:cNvPr id="10" name="Rectangle 9">
+            <a:spLocks noGrp="1"/>
+          </p:cNvSpPr>
+          <p:nvPr>
+            <p:ph type="title"/>
+          </p:nvPr>
+        </p:nvSpPr>
+        <p:spPr/>
+        <p:txBody>
+          <a:bodyPr/>
+          <a:lstStyle/>
+          <a:p>
+            <a:r>
+              <a:rPr lang="en-US" dirty="0">
+                <a:cs typeface="Calibri Light"/>
+              </a:rPr>
+              <a:t>Keyword Tokens</a:t>
+            </a:r>
+            <a:endParaRPr lang="en-US" dirty="0"/>
+          </a:p>
+        </p:txBody>
+      </p:sp>
+      <p:sp>
+        <p:nvSpPr>
+          <p:cNvPr id="3" name="Content Placeholder 2">
             <a:extLst>
               <a:ext uri="{FF2B5EF4-FFF2-40B4-BE49-F238E27FC236}">
-                <a16:creationId xmlns:a16="http://schemas.microsoft.com/office/drawing/2014/main" id="{047BFA19-D45E-416B-A404-7AF2F3F27017}"/>
-              </a:ext>
-              <a:ext uri="{C183D7F6-B498-43B3-948B-1728B52AA6E4}">
-                <adec:decorative xmlns:adec="http://schemas.microsoft.com/office/drawing/2017/decorative" val="1"/>
+                <a16:creationId xmlns:a16="http://schemas.microsoft.com/office/drawing/2014/main" id="{79F7CF2C-D869-AD2A-6A2C-E636FE02144A}"/>
               </a:ext>
             </a:extLst>
           </p:cNvPr>
           <p:cNvSpPr>
-            <a:spLocks noGrp="1" noRot="1" noChangeAspect="1" noMove="1" noResize="1" noEditPoints="1" noAdjustHandles="1" noChangeArrowheads="1" noChangeShapeType="1" noTextEdit="1"/>
-          </p:cNvSpPr>
-          <p:nvPr>
-            <p:extLst>
-              <p:ext uri="{386F3935-93C4-4BCD-93E2-E3B085C9AB24}">
-                <p16:designElem xmlns:p16="http://schemas.microsoft.com/office/powerpoint/2015/main" val="1"/>
-              </p:ext>
-            </p:extLst>
+            <a:spLocks noGrp="1"/>
+          </p:cNvSpPr>
+          <p:nvPr>
+            <p:ph idx="1"/>
           </p:nvPr>
         </p:nvSpPr>
         <p:spPr>
           <a:xfrm>
-            <a:off x="558209" y="0"/>
-            <a:ext cx="11167447" cy="2018806"/>
-          </a:xfrm>
-          <a:prstGeom prst="rect">
-            <a:avLst/>
-          </a:prstGeom>
-          <a:ln w="9525">
-            <a:solidFill>
-              <a:srgbClr val="E1E1E1"/>
-            </a:solidFill>
-          </a:ln>
-          <a:effectLst>
-            <a:outerShdw blurRad="50800" dist="38100" dir="2700000" algn="tl" rotWithShape="0">
-              <a:schemeClr val="bg1">
-                <a:lumMod val="85000"/>
-                <a:alpha val="50000"/>
-              </a:schemeClr>
-            </a:outerShdw>
-          </a:effectLst>
-        </p:spPr>
-        <p:style>
-          <a:lnRef idx="2">
-            <a:schemeClr val="accent1">
-              <a:shade val="50000"/>
-            </a:schemeClr>
-          </a:lnRef>
-          <a:fillRef idx="1">
-            <a:schemeClr val="accent1"/>
-          </a:fillRef>
-          <a:effectRef idx="0">
-            <a:schemeClr val="accent1"/>
-          </a:effectRef>
-          <a:fontRef idx="minor">
-            <a:schemeClr val="lt1"/>
-          </a:fontRef>
-        </p:style>
-        <p:txBody>
-          <a:bodyPr rtlCol="0" anchor="ctr"/>
-          <a:lstStyle/>
-          <a:p>
-            <a:pPr marL="0" marR="0" lvl="0" indent="0" algn="ctr" defTabSz="914400" rtl="0" eaLnBrk="1" fontAlgn="auto" latinLnBrk="0" hangingPunct="1">
-              <a:lnSpc>
-                <a:spcPct val="100000"/>
-              </a:lnSpc>
-              <a:spcBef>
-                <a:spcPts val="0"/>
-              </a:spcBef>
-              <a:spcAft>
-                <a:spcPts val="0"/>
-              </a:spcAft>
-              <a:buClrTx/>
-              <a:buSzTx/>
-              <a:buFontTx/>
-              <a:buNone/>
-              <a:tabLst/>
-              <a:defRPr/>
-            </a:pPr>
-            <a:endParaRPr kumimoji="0" lang="en-US" sz="1800" b="0" i="0" u="none" strike="noStrike" kern="1200" cap="none" spc="0" normalizeH="0" baseline="0" noProof="0">
-              <a:ln>
-                <a:noFill/>
-              </a:ln>
-              <a:solidFill>
-                <a:prstClr val="white"/>
-              </a:solidFill>
-              <a:effectLst/>
-              <a:uLnTx/>
-              <a:uFillTx/>
-              <a:latin typeface="Calibri" panose="020F0502020204030204"/>
-              <a:ea typeface="+mn-ea"/>
-              <a:cs typeface="+mn-cs"/>
-            </a:endParaRPr>
-          </a:p>
-        </p:txBody>
-      </p:sp>
-      <p:sp useBgFill="1">
-        <p:nvSpPr>
-          <p:cNvPr id="12" name="Rectangle 11">
-            <a:extLst>
-              <a:ext uri="{FF2B5EF4-FFF2-40B4-BE49-F238E27FC236}">
-                <a16:creationId xmlns:a16="http://schemas.microsoft.com/office/drawing/2014/main" id="{8E0105E7-23DB-4CF2-8258-FF47C7620F6E}"/>
-              </a:ext>
-              <a:ext uri="{C183D7F6-B498-43B3-948B-1728B52AA6E4}">
-                <adec:decorative xmlns:adec="http://schemas.microsoft.com/office/drawing/2017/decorative" val="1"/>
-              </a:ext>
-            </a:extLst>
-          </p:cNvPr>
-          <p:cNvSpPr>
-            <a:spLocks noGrp="1" noRot="1" noChangeAspect="1" noMove="1" noResize="1" noEditPoints="1" noAdjustHandles="1" noChangeArrowheads="1" noChangeShapeType="1" noTextEdit="1"/>
-          </p:cNvSpPr>
-          <p:nvPr>
-            <p:extLst>
-              <p:ext uri="{386F3935-93C4-4BCD-93E2-E3B085C9AB24}">
-                <p16:designElem xmlns:p16="http://schemas.microsoft.com/office/powerpoint/2015/main" val="1"/>
-              </p:ext>
-            </p:extLst>
-          </p:nvPr>
-        </p:nvSpPr>
-        <p:spPr>
-          <a:xfrm>
-            <a:off x="566928" y="0"/>
-            <a:ext cx="11155680" cy="2011680"/>
-          </a:xfrm>
-          <a:prstGeom prst="rect">
-            <a:avLst/>
-          </a:prstGeom>
-          <a:ln w="9525">
-            <a:noFill/>
-          </a:ln>
-          <a:effectLst/>
-        </p:spPr>
-        <p:style>
-          <a:lnRef idx="2">
-            <a:schemeClr val="accent1">
-              <a:shade val="50000"/>
-            </a:schemeClr>
-          </a:lnRef>
-          <a:fillRef idx="1">
-            <a:schemeClr val="accent1"/>
-          </a:fillRef>
-          <a:effectRef idx="0">
-            <a:schemeClr val="accent1"/>
-          </a:effectRef>
-          <a:fontRef idx="minor">
-            <a:schemeClr val="lt1"/>
-          </a:fontRef>
-        </p:style>
-        <p:txBody>
-          <a:bodyPr rtlCol="0" anchor="ctr"/>
-          <a:lstStyle/>
-          <a:p>
-            <a:pPr marL="0" marR="0" lvl="0" indent="0" algn="ctr" defTabSz="914400" rtl="0" eaLnBrk="1" fontAlgn="auto" latinLnBrk="0" hangingPunct="1">
-              <a:lnSpc>
-                <a:spcPct val="100000"/>
-              </a:lnSpc>
-              <a:spcBef>
-                <a:spcPts val="0"/>
-              </a:spcBef>
-              <a:spcAft>
-                <a:spcPts val="0"/>
-              </a:spcAft>
-              <a:buClrTx/>
-              <a:buSzTx/>
-              <a:buFontTx/>
-              <a:buNone/>
-              <a:tabLst/>
-              <a:defRPr/>
-            </a:pPr>
-            <a:endParaRPr kumimoji="0" lang="en-US" sz="1800" b="0" i="0" u="none" strike="noStrike" kern="1200" cap="none" spc="0" normalizeH="0" baseline="0" noProof="0">
-              <a:ln>
-                <a:noFill/>
-              </a:ln>
-              <a:solidFill>
-                <a:prstClr val="white"/>
-              </a:solidFill>
-              <a:effectLst/>
-              <a:uLnTx/>
-              <a:uFillTx/>
-              <a:latin typeface="Calibri" panose="020F0502020204030204"/>
-              <a:ea typeface="+mn-ea"/>
-              <a:cs typeface="+mn-cs"/>
-            </a:endParaRPr>
-          </a:p>
-        </p:txBody>
-      </p:sp>
-      <p:sp>
-        <p:nvSpPr>
-          <p:cNvPr id="2" name="Title 1">
-            <a:extLst>
-              <a:ext uri="{FF2B5EF4-FFF2-40B4-BE49-F238E27FC236}">
-                <a16:creationId xmlns:a16="http://schemas.microsoft.com/office/drawing/2014/main" id="{82FE5982-1490-5C07-24F1-3968A5AE34D7}"/>
-              </a:ext>
-            </a:extLst>
-          </p:cNvPr>
-          <p:cNvSpPr>
-            <a:spLocks noGrp="1"/>
-          </p:cNvSpPr>
-          <p:nvPr>
-            <p:ph type="title"/>
-          </p:nvPr>
-        </p:nvSpPr>
-        <p:spPr>
-          <a:xfrm>
-            <a:off x="1115568" y="548640"/>
-            <a:ext cx="10168128" cy="1179576"/>
-          </a:xfrm>
-        </p:spPr>
-        <p:txBody>
-          <a:bodyPr>
-            <a:normAutofit/>
-          </a:bodyPr>
-          <a:lstStyle/>
-          <a:p>
-            <a:r>
-              <a:rPr lang="en-US" sz="4000">
-                <a:cs typeface="Calibri Light"/>
-              </a:rPr>
-              <a:t>Use cases</a:t>
-            </a:r>
-            <a:endParaRPr lang="en-US" sz="4000"/>
-          </a:p>
-        </p:txBody>
-      </p:sp>
-      <p:sp>
-        <p:nvSpPr>
-          <p:cNvPr id="14" name="Rectangle 13">
-            <a:extLst>
-              <a:ext uri="{FF2B5EF4-FFF2-40B4-BE49-F238E27FC236}">
-                <a16:creationId xmlns:a16="http://schemas.microsoft.com/office/drawing/2014/main" id="{074B4F7D-14B2-478B-8BF5-01E4E0C5D263}"/>
-              </a:ext>
-              <a:ext uri="{C183D7F6-B498-43B3-948B-1728B52AA6E4}">
-                <adec:decorative xmlns:adec="http://schemas.microsoft.com/office/drawing/2017/decorative" val="1"/>
-              </a:ext>
-            </a:extLst>
-          </p:cNvPr>
-          <p:cNvSpPr>
-            <a:spLocks noGrp="1" noRot="1" noChangeAspect="1" noMove="1" noResize="1" noEditPoints="1" noAdjustHandles="1" noChangeArrowheads="1" noChangeShapeType="1" noTextEdit="1"/>
-          </p:cNvSpPr>
-          <p:nvPr>
-            <p:extLst>
-              <p:ext uri="{386F3935-93C4-4BCD-93E2-E3B085C9AB24}">
-                <p16:designElem xmlns:p16="http://schemas.microsoft.com/office/powerpoint/2015/main" val="1"/>
-              </p:ext>
-            </p:extLst>
-          </p:nvPr>
-        </p:nvSpPr>
-        <p:spPr>
-          <a:xfrm>
-            <a:off x="498834" y="758952"/>
-            <a:ext cx="128016" cy="704088"/>
-          </a:xfrm>
-          <a:prstGeom prst="rect">
-            <a:avLst/>
-          </a:prstGeom>
-          <a:solidFill>
-            <a:schemeClr val="accent2"/>
-          </a:solidFill>
-          <a:ln>
-            <a:noFill/>
-          </a:ln>
-        </p:spPr>
-        <p:style>
-          <a:lnRef idx="2">
-            <a:schemeClr val="accent1">
-              <a:shade val="50000"/>
-            </a:schemeClr>
-          </a:lnRef>
-          <a:fillRef idx="1">
-            <a:schemeClr val="accent1"/>
-          </a:fillRef>
-          <a:effectRef idx="0">
-            <a:schemeClr val="accent1"/>
-          </a:effectRef>
-          <a:fontRef idx="minor">
-            <a:schemeClr val="lt1"/>
-          </a:fontRef>
-        </p:style>
-        <p:txBody>
-          <a:bodyPr rtlCol="0" anchor="ctr"/>
-          <a:lstStyle/>
-          <a:p>
-            <a:pPr algn="ctr"/>
-            <a:endParaRPr lang="en-US">
-              <a:solidFill>
-                <a:prstClr val="white"/>
-              </a:solidFill>
-              <a:latin typeface="Calibri" panose="020F0502020204030204"/>
-            </a:endParaRPr>
-          </a:p>
-        </p:txBody>
-      </p:sp>
-      <p:sp>
-        <p:nvSpPr>
-          <p:cNvPr id="3" name="Content Placeholder 2">
-            <a:extLst>
-              <a:ext uri="{FF2B5EF4-FFF2-40B4-BE49-F238E27FC236}">
-                <a16:creationId xmlns:a16="http://schemas.microsoft.com/office/drawing/2014/main" id="{96AE8BB2-1188-A0F1-39F4-6260494EB0BF}"/>
-              </a:ext>
-            </a:extLst>
-          </p:cNvPr>
-          <p:cNvSpPr>
-            <a:spLocks noGrp="1"/>
-          </p:cNvSpPr>
-          <p:nvPr>
-            <p:ph idx="1"/>
-          </p:nvPr>
-        </p:nvSpPr>
-        <p:spPr>
-          <a:xfrm>
-            <a:off x="1115568" y="2481943"/>
-            <a:ext cx="10168128" cy="3695020"/>
+            <a:off x="6232677" y="1825625"/>
+            <a:ext cx="5774265" cy="4508576"/>
           </a:xfrm>
         </p:spPr>
         <p:txBody>
@@ -6264,71 +5737,26 @@
             <a:pPr marL="0" indent="0">
               <a:buNone/>
             </a:pPr>
-            <a:endParaRPr lang="en-US" sz="2200" dirty="0">
-              <a:ea typeface="Calibri" panose="020F0502020204030204"/>
-              <a:cs typeface="Calibri"/>
-            </a:endParaRPr>
-          </a:p>
-          <a:p>
-            <a:r>
-              <a:rPr lang="en-US" sz="2200" dirty="0">
-                <a:cs typeface="Calibri"/>
+            <a:r>
+              <a:rPr lang="en-US" sz="1800" dirty="0">
+                <a:solidFill>
+                  <a:srgbClr val="1F2328"/>
+                </a:solidFill>
+                <a:latin typeface="Consolas"/>
               </a:rPr>
-              <a:t>Good for young programmers</a:t>
-            </a:r>
-          </a:p>
-          <a:p>
-            <a:endParaRPr lang="en-US" sz="2200" dirty="0">
-              <a:ea typeface="Calibri" panose="020F0502020204030204"/>
-              <a:cs typeface="Calibri"/>
-            </a:endParaRPr>
-          </a:p>
-          <a:p>
-            <a:r>
-              <a:rPr lang="en-US" sz="2200" dirty="0">
-                <a:ea typeface="Calibri" panose="020F0502020204030204"/>
-                <a:cs typeface="Calibri"/>
-              </a:rPr>
-              <a:t>Good for more experienced programmers</a:t>
-            </a:r>
-          </a:p>
-          <a:p>
-            <a:endParaRPr lang="en-US" sz="2200" dirty="0">
-              <a:ea typeface="Calibri" panose="020F0502020204030204"/>
-              <a:cs typeface="Calibri"/>
-            </a:endParaRPr>
-          </a:p>
-          <a:p>
-            <a:r>
-              <a:rPr lang="en-US" sz="2200" dirty="0">
-                <a:ea typeface="Calibri" panose="020F0502020204030204"/>
-                <a:cs typeface="Calibri"/>
-              </a:rPr>
-              <a:t>Great for every programmer</a:t>
-            </a:r>
-          </a:p>
-          <a:p>
-            <a:endParaRPr lang="en-US" sz="2200" dirty="0">
-              <a:ea typeface="Calibri" panose="020F0502020204030204"/>
-              <a:cs typeface="Calibri"/>
-            </a:endParaRPr>
-          </a:p>
-          <a:p>
-            <a:endParaRPr lang="en-US" sz="2200" dirty="0">
-              <a:ea typeface="Calibri" panose="020F0502020204030204"/>
-              <a:cs typeface="Calibri"/>
-            </a:endParaRPr>
-          </a:p>
-          <a:p>
-            <a:endParaRPr lang="en-US" sz="2200" dirty="0">
-              <a:ea typeface="Calibri" panose="020F0502020204030204"/>
-              <a:cs typeface="Calibri"/>
-            </a:endParaRPr>
-          </a:p>
-          <a:p>
-            <a:endParaRPr lang="en-US" sz="2200" dirty="0">
-              <a:ea typeface="Calibri" panose="020F0502020204030204"/>
-              <a:cs typeface="Calibri"/>
+              <a:t>FUNCTION (function)
+IF (if)
+ELSE (else)
+FOR (for)
+WHILE (while)
+RETURN (return)
+VAR (var)
+CONST (const)
+TRUE (true)
+FALSE (false)</a:t>
+            </a:r>
+            <a:endParaRPr lang="en-US" sz="1800" dirty="0">
+              <a:cs typeface="Calibri" panose="020F0502020204030204"/>
             </a:endParaRPr>
           </a:p>
         </p:txBody>
@@ -6336,7 +5764,7 @@
     </p:spTree>
     <p:extLst>
       <p:ext uri="{BB962C8B-B14F-4D97-AF65-F5344CB8AC3E}">
-        <p14:creationId xmlns:p14="http://schemas.microsoft.com/office/powerpoint/2010/main" val="97662029"/>
+        <p14:creationId xmlns:p14="http://schemas.microsoft.com/office/powerpoint/2010/main" val="2932581272"/>
       </p:ext>
     </p:extLst>
   </p:cSld>
@@ -6349,14 +5777,6 @@
 <file path=ppt/slides/slide6.xml><?xml version="1.0" encoding="utf-8"?>
 <p:sld xmlns:a="http://schemas.openxmlformats.org/drawingml/2006/main" xmlns:r="http://schemas.openxmlformats.org/officeDocument/2006/relationships" xmlns:p="http://schemas.openxmlformats.org/presentationml/2006/main">
   <p:cSld>
-    <p:bg>
-      <p:bgPr>
-        <a:solidFill>
-          <a:schemeClr val="bg1"/>
-        </a:solidFill>
-        <a:effectLst/>
-      </p:bgPr>
-    </p:bg>
     <p:spTree>
       <p:nvGrpSpPr>
         <p:cNvPr id="1" name=""/>
@@ -6371,420 +5791,115 @@
           <a:chExt cx="0" cy="0"/>
         </a:xfrm>
       </p:grpSpPr>
-      <p:sp useBgFill="1">
-        <p:nvSpPr>
-          <p:cNvPr id="8" name="Rectangle 7">
+      <p:sp>
+        <p:nvSpPr>
+          <p:cNvPr id="2" name="Title 1">
             <a:extLst>
               <a:ext uri="{FF2B5EF4-FFF2-40B4-BE49-F238E27FC236}">
-                <a16:creationId xmlns:a16="http://schemas.microsoft.com/office/drawing/2014/main" id="{DAF1966E-FD40-4A4A-B61B-C4DF7FA05F06}"/>
-              </a:ext>
-              <a:ext uri="{C183D7F6-B498-43B3-948B-1728B52AA6E4}">
-                <adec:decorative xmlns:adec="http://schemas.microsoft.com/office/drawing/2017/decorative" val="1"/>
+                <a16:creationId xmlns:a16="http://schemas.microsoft.com/office/drawing/2014/main" id="{F3BB6BBC-CEF6-4435-9CA9-2EB8602A2159}"/>
               </a:ext>
             </a:extLst>
           </p:cNvPr>
           <p:cNvSpPr>
-            <a:spLocks noGrp="1" noRot="1" noChangeAspect="1" noMove="1" noResize="1" noEditPoints="1" noAdjustHandles="1" noChangeArrowheads="1" noChangeShapeType="1" noTextEdit="1"/>
-          </p:cNvSpPr>
-          <p:nvPr>
-            <p:extLst>
-              <p:ext uri="{386F3935-93C4-4BCD-93E2-E3B085C9AB24}">
-                <p16:designElem xmlns:p16="http://schemas.microsoft.com/office/powerpoint/2015/main" val="1"/>
-              </p:ext>
-            </p:extLst>
-          </p:nvPr>
-        </p:nvSpPr>
-        <p:spPr>
-          <a:xfrm>
-            <a:off x="0" y="0"/>
-            <a:ext cx="12192000" cy="6858000"/>
-          </a:xfrm>
-          <a:prstGeom prst="rect">
-            <a:avLst/>
-          </a:prstGeom>
-          <a:ln>
-            <a:noFill/>
-          </a:ln>
-        </p:spPr>
-        <p:style>
-          <a:lnRef idx="2">
-            <a:schemeClr val="accent1">
-              <a:shade val="50000"/>
-            </a:schemeClr>
-          </a:lnRef>
-          <a:fillRef idx="1">
-            <a:schemeClr val="accent1"/>
-          </a:fillRef>
-          <a:effectRef idx="0">
-            <a:schemeClr val="accent1"/>
-          </a:effectRef>
-          <a:fontRef idx="minor">
-            <a:schemeClr val="lt1"/>
-          </a:fontRef>
-        </p:style>
-        <p:txBody>
-          <a:bodyPr rtlCol="0" anchor="ctr"/>
-          <a:lstStyle/>
-          <a:p>
-            <a:pPr algn="ctr"/>
-            <a:endParaRPr lang="en-US"/>
-          </a:p>
-        </p:txBody>
-      </p:sp>
-      <p:sp useBgFill="1">
-        <p:nvSpPr>
-          <p:cNvPr id="10" name="Rectangle 9">
+            <a:spLocks noGrp="1"/>
+          </p:cNvSpPr>
+          <p:nvPr>
+            <p:ph type="title"/>
+          </p:nvPr>
+        </p:nvSpPr>
+        <p:spPr/>
+        <p:txBody>
+          <a:bodyPr/>
+          <a:lstStyle/>
+          <a:p>
+            <a:r>
+              <a:rPr lang="en-US" dirty="0">
+                <a:cs typeface="Calibri Light"/>
+              </a:rPr>
+              <a:t>Assignment Operations</a:t>
+            </a:r>
+            <a:endParaRPr lang="en-US" dirty="0"/>
+          </a:p>
+        </p:txBody>
+      </p:sp>
+      <p:sp>
+        <p:nvSpPr>
+          <p:cNvPr id="3" name="Content Placeholder 2">
             <a:extLst>
               <a:ext uri="{FF2B5EF4-FFF2-40B4-BE49-F238E27FC236}">
-                <a16:creationId xmlns:a16="http://schemas.microsoft.com/office/drawing/2014/main" id="{047BFA19-D45E-416B-A404-7AF2F3F27017}"/>
-              </a:ext>
-              <a:ext uri="{C183D7F6-B498-43B3-948B-1728B52AA6E4}">
-                <adec:decorative xmlns:adec="http://schemas.microsoft.com/office/drawing/2017/decorative" val="1"/>
+                <a16:creationId xmlns:a16="http://schemas.microsoft.com/office/drawing/2014/main" id="{2BFB88A2-B8FD-7583-B88D-50440298DA80}"/>
               </a:ext>
             </a:extLst>
           </p:cNvPr>
           <p:cNvSpPr>
-            <a:spLocks noGrp="1" noRot="1" noChangeAspect="1" noMove="1" noResize="1" noEditPoints="1" noAdjustHandles="1" noChangeArrowheads="1" noChangeShapeType="1" noTextEdit="1"/>
-          </p:cNvSpPr>
-          <p:nvPr>
-            <p:extLst>
-              <p:ext uri="{386F3935-93C4-4BCD-93E2-E3B085C9AB24}">
-                <p16:designElem xmlns:p16="http://schemas.microsoft.com/office/powerpoint/2015/main" val="1"/>
-              </p:ext>
-            </p:extLst>
+            <a:spLocks noGrp="1"/>
+          </p:cNvSpPr>
+          <p:nvPr>
+            <p:ph idx="1"/>
           </p:nvPr>
         </p:nvSpPr>
         <p:spPr>
           <a:xfrm>
-            <a:off x="558209" y="0"/>
-            <a:ext cx="11167447" cy="2018806"/>
-          </a:xfrm>
-          <a:prstGeom prst="rect">
-            <a:avLst/>
-          </a:prstGeom>
-          <a:ln w="9525">
-            <a:solidFill>
-              <a:srgbClr val="E1E1E1"/>
-            </a:solidFill>
-          </a:ln>
-          <a:effectLst>
-            <a:outerShdw blurRad="50800" dist="38100" dir="2700000" algn="tl" rotWithShape="0">
-              <a:schemeClr val="bg1">
-                <a:lumMod val="85000"/>
-                <a:alpha val="50000"/>
-              </a:schemeClr>
-            </a:outerShdw>
-          </a:effectLst>
-        </p:spPr>
-        <p:style>
-          <a:lnRef idx="2">
-            <a:schemeClr val="accent1">
-              <a:shade val="50000"/>
-            </a:schemeClr>
-          </a:lnRef>
-          <a:fillRef idx="1">
-            <a:schemeClr val="accent1"/>
-          </a:fillRef>
-          <a:effectRef idx="0">
-            <a:schemeClr val="accent1"/>
-          </a:effectRef>
-          <a:fontRef idx="minor">
-            <a:schemeClr val="lt1"/>
-          </a:fontRef>
-        </p:style>
-        <p:txBody>
-          <a:bodyPr rtlCol="0" anchor="ctr"/>
-          <a:lstStyle/>
-          <a:p>
-            <a:pPr marL="0" marR="0" lvl="0" indent="0" algn="ctr" defTabSz="914400" rtl="0" eaLnBrk="1" fontAlgn="auto" latinLnBrk="0" hangingPunct="1">
-              <a:lnSpc>
-                <a:spcPct val="100000"/>
-              </a:lnSpc>
-              <a:spcBef>
-                <a:spcPts val="0"/>
-              </a:spcBef>
-              <a:spcAft>
-                <a:spcPts val="0"/>
-              </a:spcAft>
-              <a:buClrTx/>
-              <a:buSzTx/>
-              <a:buFontTx/>
-              <a:buNone/>
-              <a:tabLst/>
-              <a:defRPr/>
-            </a:pPr>
-            <a:endParaRPr kumimoji="0" lang="en-US" sz="1800" b="0" i="0" u="none" strike="noStrike" kern="1200" cap="none" spc="0" normalizeH="0" baseline="0" noProof="0">
-              <a:ln>
-                <a:noFill/>
-              </a:ln>
-              <a:solidFill>
-                <a:prstClr val="white"/>
-              </a:solidFill>
-              <a:effectLst/>
-              <a:uLnTx/>
-              <a:uFillTx/>
-              <a:latin typeface="Calibri" panose="020F0502020204030204"/>
-              <a:ea typeface="+mn-ea"/>
-              <a:cs typeface="+mn-cs"/>
-            </a:endParaRPr>
-          </a:p>
-        </p:txBody>
-      </p:sp>
-      <p:sp useBgFill="1">
-        <p:nvSpPr>
-          <p:cNvPr id="12" name="Rectangle 11">
-            <a:extLst>
-              <a:ext uri="{FF2B5EF4-FFF2-40B4-BE49-F238E27FC236}">
-                <a16:creationId xmlns:a16="http://schemas.microsoft.com/office/drawing/2014/main" id="{8E0105E7-23DB-4CF2-8258-FF47C7620F6E}"/>
-              </a:ext>
-              <a:ext uri="{C183D7F6-B498-43B3-948B-1728B52AA6E4}">
-                <adec:decorative xmlns:adec="http://schemas.microsoft.com/office/drawing/2017/decorative" val="1"/>
-              </a:ext>
-            </a:extLst>
-          </p:cNvPr>
-          <p:cNvSpPr>
-            <a:spLocks noGrp="1" noRot="1" noChangeAspect="1" noMove="1" noResize="1" noEditPoints="1" noAdjustHandles="1" noChangeArrowheads="1" noChangeShapeType="1" noTextEdit="1"/>
-          </p:cNvSpPr>
-          <p:nvPr>
-            <p:extLst>
-              <p:ext uri="{386F3935-93C4-4BCD-93E2-E3B085C9AB24}">
-                <p16:designElem xmlns:p16="http://schemas.microsoft.com/office/powerpoint/2015/main" val="1"/>
-              </p:ext>
-            </p:extLst>
-          </p:nvPr>
-        </p:nvSpPr>
-        <p:spPr>
-          <a:xfrm>
-            <a:off x="566928" y="0"/>
-            <a:ext cx="11155680" cy="2011680"/>
-          </a:xfrm>
-          <a:prstGeom prst="rect">
-            <a:avLst/>
-          </a:prstGeom>
-          <a:ln w="9525">
-            <a:noFill/>
-          </a:ln>
-          <a:effectLst/>
-        </p:spPr>
-        <p:style>
-          <a:lnRef idx="2">
-            <a:schemeClr val="accent1">
-              <a:shade val="50000"/>
-            </a:schemeClr>
-          </a:lnRef>
-          <a:fillRef idx="1">
-            <a:schemeClr val="accent1"/>
-          </a:fillRef>
-          <a:effectRef idx="0">
-            <a:schemeClr val="accent1"/>
-          </a:effectRef>
-          <a:fontRef idx="minor">
-            <a:schemeClr val="lt1"/>
-          </a:fontRef>
-        </p:style>
-        <p:txBody>
-          <a:bodyPr rtlCol="0" anchor="ctr"/>
-          <a:lstStyle/>
-          <a:p>
-            <a:pPr marL="0" marR="0" lvl="0" indent="0" algn="ctr" defTabSz="914400" rtl="0" eaLnBrk="1" fontAlgn="auto" latinLnBrk="0" hangingPunct="1">
-              <a:lnSpc>
-                <a:spcPct val="100000"/>
-              </a:lnSpc>
-              <a:spcBef>
-                <a:spcPts val="0"/>
-              </a:spcBef>
-              <a:spcAft>
-                <a:spcPts val="0"/>
-              </a:spcAft>
-              <a:buClrTx/>
-              <a:buSzTx/>
-              <a:buFontTx/>
-              <a:buNone/>
-              <a:tabLst/>
-              <a:defRPr/>
-            </a:pPr>
-            <a:endParaRPr kumimoji="0" lang="en-US" sz="1800" b="0" i="0" u="none" strike="noStrike" kern="1200" cap="none" spc="0" normalizeH="0" baseline="0" noProof="0">
-              <a:ln>
-                <a:noFill/>
-              </a:ln>
-              <a:solidFill>
-                <a:prstClr val="white"/>
-              </a:solidFill>
-              <a:effectLst/>
-              <a:uLnTx/>
-              <a:uFillTx/>
-              <a:latin typeface="Calibri" panose="020F0502020204030204"/>
-              <a:ea typeface="+mn-ea"/>
-              <a:cs typeface="+mn-cs"/>
-            </a:endParaRPr>
-          </a:p>
-        </p:txBody>
-      </p:sp>
-      <p:sp>
-        <p:nvSpPr>
-          <p:cNvPr id="2" name="Title 1">
-            <a:extLst>
-              <a:ext uri="{FF2B5EF4-FFF2-40B4-BE49-F238E27FC236}">
-                <a16:creationId xmlns:a16="http://schemas.microsoft.com/office/drawing/2014/main" id="{66B831F8-E5A7-1E57-722C-A1F89CFC252C}"/>
-              </a:ext>
-            </a:extLst>
-          </p:cNvPr>
-          <p:cNvSpPr>
-            <a:spLocks noGrp="1"/>
-          </p:cNvSpPr>
-          <p:nvPr>
-            <p:ph type="title"/>
-          </p:nvPr>
-        </p:nvSpPr>
-        <p:spPr>
-          <a:xfrm>
-            <a:off x="1115568" y="548640"/>
-            <a:ext cx="10168128" cy="1179576"/>
+            <a:off x="7878085" y="1632101"/>
+            <a:ext cx="3959525" cy="4351338"/>
           </a:xfrm>
         </p:spPr>
         <p:txBody>
-          <a:bodyPr>
-            <a:normAutofit/>
+          <a:bodyPr vert="horz" lIns="91440" tIns="45720" rIns="91440" bIns="45720" rtlCol="0" anchor="t">
+            <a:noAutofit/>
           </a:bodyPr>
           <a:lstStyle/>
           <a:p>
-            <a:r>
-              <a:rPr lang="en-US" sz="4000">
-                <a:cs typeface="Calibri Light"/>
+            <a:pPr marL="0" indent="0">
+              <a:buNone/>
+            </a:pPr>
+            <a:r>
+              <a:rPr lang="en-US" sz="1400" dirty="0">
+                <a:solidFill>
+                  <a:srgbClr val="1F2328"/>
+                </a:solidFill>
+                <a:latin typeface="Consolas"/>
               </a:rPr>
-              <a:t>Future</a:t>
-            </a:r>
-          </a:p>
-        </p:txBody>
-      </p:sp>
-      <p:sp>
-        <p:nvSpPr>
-          <p:cNvPr id="14" name="Rectangle 13">
-            <a:extLst>
-              <a:ext uri="{FF2B5EF4-FFF2-40B4-BE49-F238E27FC236}">
-                <a16:creationId xmlns:a16="http://schemas.microsoft.com/office/drawing/2014/main" id="{074B4F7D-14B2-478B-8BF5-01E4E0C5D263}"/>
-              </a:ext>
-              <a:ext uri="{C183D7F6-B498-43B3-948B-1728B52AA6E4}">
-                <adec:decorative xmlns:adec="http://schemas.microsoft.com/office/drawing/2017/decorative" val="1"/>
-              </a:ext>
-            </a:extLst>
-          </p:cNvPr>
-          <p:cNvSpPr>
-            <a:spLocks noGrp="1" noRot="1" noChangeAspect="1" noMove="1" noResize="1" noEditPoints="1" noAdjustHandles="1" noChangeArrowheads="1" noChangeShapeType="1" noTextEdit="1"/>
-          </p:cNvSpPr>
-          <p:nvPr>
-            <p:extLst>
-              <p:ext uri="{386F3935-93C4-4BCD-93E2-E3B085C9AB24}">
-                <p16:designElem xmlns:p16="http://schemas.microsoft.com/office/powerpoint/2015/main" val="1"/>
-              </p:ext>
-            </p:extLst>
-          </p:nvPr>
-        </p:nvSpPr>
-        <p:spPr>
-          <a:xfrm>
-            <a:off x="498834" y="758952"/>
-            <a:ext cx="128016" cy="704088"/>
-          </a:xfrm>
-          <a:prstGeom prst="rect">
-            <a:avLst/>
-          </a:prstGeom>
-          <a:solidFill>
-            <a:schemeClr val="accent2"/>
-          </a:solidFill>
-          <a:ln>
-            <a:noFill/>
-          </a:ln>
-        </p:spPr>
-        <p:style>
-          <a:lnRef idx="2">
-            <a:schemeClr val="accent1">
-              <a:shade val="50000"/>
-            </a:schemeClr>
-          </a:lnRef>
-          <a:fillRef idx="1">
-            <a:schemeClr val="accent1"/>
-          </a:fillRef>
-          <a:effectRef idx="0">
-            <a:schemeClr val="accent1"/>
-          </a:effectRef>
-          <a:fontRef idx="minor">
-            <a:schemeClr val="lt1"/>
-          </a:fontRef>
-        </p:style>
-        <p:txBody>
-          <a:bodyPr rtlCol="0" anchor="ctr"/>
-          <a:lstStyle/>
-          <a:p>
-            <a:pPr algn="ctr"/>
-            <a:endParaRPr lang="en-US">
-              <a:solidFill>
-                <a:prstClr val="white"/>
-              </a:solidFill>
-              <a:latin typeface="Calibri" panose="020F0502020204030204"/>
-            </a:endParaRPr>
-          </a:p>
-        </p:txBody>
-      </p:sp>
-      <p:sp>
-        <p:nvSpPr>
-          <p:cNvPr id="3" name="Content Placeholder 2">
-            <a:extLst>
-              <a:ext uri="{FF2B5EF4-FFF2-40B4-BE49-F238E27FC236}">
-                <a16:creationId xmlns:a16="http://schemas.microsoft.com/office/drawing/2014/main" id="{BFDE4B1A-C403-7C30-1439-3A46632C6516}"/>
-              </a:ext>
-            </a:extLst>
-          </p:cNvPr>
-          <p:cNvSpPr>
-            <a:spLocks noGrp="1"/>
-          </p:cNvSpPr>
-          <p:nvPr>
-            <p:ph idx="1"/>
-          </p:nvPr>
-        </p:nvSpPr>
-        <p:spPr>
-          <a:xfrm>
-            <a:off x="1115568" y="2481943"/>
-            <a:ext cx="10168128" cy="3695020"/>
-          </a:xfrm>
-        </p:spPr>
-        <p:txBody>
-          <a:bodyPr vert="horz" lIns="91440" tIns="45720" rIns="91440" bIns="45720" rtlCol="0" anchor="t">
-            <a:normAutofit/>
-          </a:bodyPr>
-          <a:lstStyle/>
-          <a:p>
-            <a:pPr marL="0" indent="0">
-              <a:buNone/>
-            </a:pPr>
-            <a:endParaRPr lang="en-US" sz="2200" dirty="0">
-              <a:ea typeface="Calibri"/>
-              <a:cs typeface="Calibri"/>
-            </a:endParaRPr>
-          </a:p>
-          <a:p>
-            <a:r>
-              <a:rPr lang="en-US" sz="2200" dirty="0">
-                <a:cs typeface="Calibri"/>
+              <a:t>Assignment Operations
+    ASSIGN </a:t>
+            </a:r>
+            <a:r>
+              <a:rPr lang="en-US" sz="1400">
+                <a:solidFill>
+                  <a:srgbClr val="1F2328"/>
+                </a:solidFill>
+                <a:latin typeface="Consolas"/>
               </a:rPr>
-              <a:t>Develop new libraries</a:t>
-            </a:r>
-          </a:p>
-          <a:p>
-            <a:endParaRPr lang="en-US" sz="2200" dirty="0">
-              <a:cs typeface="Calibri"/>
-            </a:endParaRPr>
-          </a:p>
-          <a:p>
-            <a:r>
-              <a:rPr lang="en-US" sz="2200" dirty="0">
-                <a:cs typeface="Calibri"/>
+              <a:t>(is)</a:t>
+            </a:r>
+            <a:r>
+              <a:rPr lang="en-US" sz="1400" dirty="0">
+                <a:solidFill>
+                  <a:srgbClr val="1F2328"/>
+                </a:solidFill>
+                <a:latin typeface="Consolas"/>
               </a:rPr>
-              <a:t>Spread the language and take down python as #1</a:t>
-            </a:r>
-          </a:p>
-          <a:p>
-            <a:endParaRPr lang="en-US" sz="2200">
-              <a:cs typeface="Calibri"/>
+              <a:t>
+Arithmetic Operations
+    PLUS (+)
+    MINUS (-)
+    MULTIPLY (*)
+    DIVIDE (/)
+    MODULUS (%)
+Comparison Operations
+    EQUAL (==)
+    NOT_EQUAL (!=)
+    GREATER_THAN (&gt;)
+    LESS_THAN (&lt;)
+    GREATER_THAN_OR_EQUAL (&gt;=)
+    LESS_THAN_OR_EQUAL (&lt;=)
+Logical Operations
+    AND (&amp;&amp;)
+    OR (||)
+    NOT (!)</a:t>
+            </a:r>
+            <a:endParaRPr lang="en-US" sz="1400" dirty="0">
+              <a:cs typeface="Calibri" panose="020F0502020204030204"/>
             </a:endParaRPr>
           </a:p>
         </p:txBody>
@@ -6792,7 +5907,7 @@
     </p:spTree>
     <p:extLst>
       <p:ext uri="{BB962C8B-B14F-4D97-AF65-F5344CB8AC3E}">
-        <p14:creationId xmlns:p14="http://schemas.microsoft.com/office/powerpoint/2010/main" val="1908022604"/>
+        <p14:creationId xmlns:p14="http://schemas.microsoft.com/office/powerpoint/2010/main" val="4177657496"/>
       </p:ext>
     </p:extLst>
   </p:cSld>
@@ -6803,6 +5918,328 @@
 </file>
 
 <file path=ppt/slides/slide7.xml><?xml version="1.0" encoding="utf-8"?>
+<p:sld xmlns:a="http://schemas.openxmlformats.org/drawingml/2006/main" xmlns:r="http://schemas.openxmlformats.org/officeDocument/2006/relationships" xmlns:p="http://schemas.openxmlformats.org/presentationml/2006/main">
+  <p:cSld>
+    <p:spTree>
+      <p:nvGrpSpPr>
+        <p:cNvPr id="1" name=""/>
+        <p:cNvGrpSpPr/>
+        <p:nvPr/>
+      </p:nvGrpSpPr>
+      <p:grpSpPr>
+        <a:xfrm>
+          <a:off x="0" y="0"/>
+          <a:ext cx="0" cy="0"/>
+          <a:chOff x="0" y="0"/>
+          <a:chExt cx="0" cy="0"/>
+        </a:xfrm>
+      </p:grpSpPr>
+      <p:sp>
+        <p:nvSpPr>
+          <p:cNvPr id="2" name="Title 1">
+            <a:extLst>
+              <a:ext uri="{FF2B5EF4-FFF2-40B4-BE49-F238E27FC236}">
+                <a16:creationId xmlns:a16="http://schemas.microsoft.com/office/drawing/2014/main" id="{6EA5D5F2-03E5-DA38-C32E-21BAF1B747B7}"/>
+              </a:ext>
+            </a:extLst>
+          </p:cNvPr>
+          <p:cNvSpPr>
+            <a:spLocks noGrp="1"/>
+          </p:cNvSpPr>
+          <p:nvPr>
+            <p:ph type="title"/>
+          </p:nvPr>
+        </p:nvSpPr>
+        <p:spPr/>
+        <p:txBody>
+          <a:bodyPr/>
+          <a:lstStyle/>
+          <a:p>
+            <a:r>
+              <a:rPr lang="en-US">
+                <a:ea typeface="Calibri Light"/>
+                <a:cs typeface="Calibri Light"/>
+              </a:rPr>
+              <a:t>Example Code</a:t>
+            </a:r>
+            <a:endParaRPr lang="en-US"/>
+          </a:p>
+        </p:txBody>
+      </p:sp>
+      <p:sp>
+        <p:nvSpPr>
+          <p:cNvPr id="3" name="Content Placeholder 2">
+            <a:extLst>
+              <a:ext uri="{FF2B5EF4-FFF2-40B4-BE49-F238E27FC236}">
+                <a16:creationId xmlns:a16="http://schemas.microsoft.com/office/drawing/2014/main" id="{02B71ACF-051A-686C-46F8-0A131459F4AA}"/>
+              </a:ext>
+            </a:extLst>
+          </p:cNvPr>
+          <p:cNvSpPr>
+            <a:spLocks noGrp="1"/>
+          </p:cNvSpPr>
+          <p:nvPr>
+            <p:ph idx="1"/>
+          </p:nvPr>
+        </p:nvSpPr>
+        <p:spPr>
+          <a:xfrm>
+            <a:off x="5827143" y="1250531"/>
+            <a:ext cx="5526657" cy="5602168"/>
+          </a:xfrm>
+        </p:spPr>
+        <p:txBody>
+          <a:bodyPr vert="horz" lIns="91440" tIns="45720" rIns="91440" bIns="45720" rtlCol="0" anchor="t">
+            <a:normAutofit fontScale="85000" lnSpcReduction="20000"/>
+          </a:bodyPr>
+          <a:lstStyle/>
+          <a:p>
+            <a:pPr marL="0" indent="0">
+              <a:buNone/>
+            </a:pPr>
+            <a:endParaRPr lang="en-US">
+              <a:ea typeface="Calibri" panose="020F0502020204030204"/>
+              <a:cs typeface="Calibri" panose="020F0502020204030204"/>
+            </a:endParaRPr>
+          </a:p>
+          <a:p>
+            <a:pPr marL="0" indent="0">
+              <a:buNone/>
+            </a:pPr>
+            <a:r>
+              <a:rPr lang="en-US" err="1">
+                <a:ea typeface="+mn-lt"/>
+                <a:cs typeface="+mn-lt"/>
+              </a:rPr>
+              <a:t>func</a:t>
+            </a:r>
+            <a:r>
+              <a:rPr lang="en-US">
+                <a:ea typeface="+mn-lt"/>
+                <a:cs typeface="+mn-lt"/>
+              </a:rPr>
+              <a:t> HelloWorld() -&gt; void:</a:t>
+            </a:r>
+            <a:endParaRPr lang="en-US">
+              <a:ea typeface="Calibri" panose="020F0502020204030204"/>
+              <a:cs typeface="Calibri" panose="020F0502020204030204"/>
+            </a:endParaRPr>
+          </a:p>
+          <a:p>
+            <a:pPr marL="0" indent="0">
+              <a:buNone/>
+            </a:pPr>
+            <a:r>
+              <a:rPr lang="en-US">
+                <a:ea typeface="+mn-lt"/>
+                <a:cs typeface="+mn-lt"/>
+              </a:rPr>
+              <a:t>  print("Hello World!")</a:t>
+            </a:r>
+            <a:endParaRPr lang="en-US">
+              <a:ea typeface="Calibri" panose="020F0502020204030204"/>
+              <a:cs typeface="Calibri" panose="020F0502020204030204"/>
+            </a:endParaRPr>
+          </a:p>
+          <a:p>
+            <a:pPr marL="0" indent="0">
+              <a:buNone/>
+            </a:pPr>
+            <a:r>
+              <a:rPr lang="en-US">
+                <a:ea typeface="+mn-lt"/>
+                <a:cs typeface="+mn-lt"/>
+              </a:rPr>
+              <a:t>----------------------------------------------</a:t>
+            </a:r>
+            <a:endParaRPr lang="en-US">
+              <a:ea typeface="Calibri" panose="020F0502020204030204"/>
+              <a:cs typeface="Calibri" panose="020F0502020204030204"/>
+            </a:endParaRPr>
+          </a:p>
+          <a:p>
+            <a:pPr marL="0" indent="0">
+              <a:buNone/>
+            </a:pPr>
+            <a:r>
+              <a:rPr lang="en-US" err="1">
+                <a:ea typeface="+mn-lt"/>
+                <a:cs typeface="+mn-lt"/>
+              </a:rPr>
+              <a:t>func</a:t>
+            </a:r>
+            <a:r>
+              <a:rPr lang="en-US">
+                <a:ea typeface="+mn-lt"/>
+                <a:cs typeface="+mn-lt"/>
+              </a:rPr>
+              <a:t> factorial(n : int) -&gt; int:</a:t>
+            </a:r>
+            <a:endParaRPr lang="en-US">
+              <a:ea typeface="Calibri" panose="020F0502020204030204"/>
+              <a:cs typeface="Calibri" panose="020F0502020204030204"/>
+            </a:endParaRPr>
+          </a:p>
+          <a:p>
+            <a:pPr marL="0" indent="0">
+              <a:buNone/>
+            </a:pPr>
+            <a:r>
+              <a:rPr lang="en-US">
+                <a:ea typeface="+mn-lt"/>
+                <a:cs typeface="+mn-lt"/>
+              </a:rPr>
+              <a:t>  if(n&lt;=1)</a:t>
+            </a:r>
+            <a:endParaRPr lang="en-US">
+              <a:ea typeface="Calibri" panose="020F0502020204030204"/>
+              <a:cs typeface="Calibri" panose="020F0502020204030204"/>
+            </a:endParaRPr>
+          </a:p>
+          <a:p>
+            <a:pPr marL="0" indent="0">
+              <a:buNone/>
+            </a:pPr>
+            <a:r>
+              <a:rPr lang="en-US">
+                <a:ea typeface="+mn-lt"/>
+                <a:cs typeface="+mn-lt"/>
+              </a:rPr>
+              <a:t>    return 1</a:t>
+            </a:r>
+            <a:endParaRPr lang="en-US">
+              <a:ea typeface="Calibri" panose="020F0502020204030204"/>
+              <a:cs typeface="Calibri" panose="020F0502020204030204"/>
+            </a:endParaRPr>
+          </a:p>
+          <a:p>
+            <a:pPr marL="0" indent="0">
+              <a:buNone/>
+            </a:pPr>
+            <a:r>
+              <a:rPr lang="en-US">
+                <a:ea typeface="+mn-lt"/>
+                <a:cs typeface="+mn-lt"/>
+              </a:rPr>
+              <a:t>  else:</a:t>
+            </a:r>
+            <a:endParaRPr lang="en-US">
+              <a:ea typeface="Calibri" panose="020F0502020204030204"/>
+              <a:cs typeface="Calibri" panose="020F0502020204030204"/>
+            </a:endParaRPr>
+          </a:p>
+          <a:p>
+            <a:pPr marL="0" indent="0">
+              <a:buNone/>
+            </a:pPr>
+            <a:r>
+              <a:rPr lang="en-US">
+                <a:ea typeface="+mn-lt"/>
+                <a:cs typeface="+mn-lt"/>
+              </a:rPr>
+              <a:t>     return n * factorial(n -1)</a:t>
+            </a:r>
+            <a:endParaRPr lang="en-US">
+              <a:ea typeface="Calibri" panose="020F0502020204030204"/>
+              <a:cs typeface="Calibri" panose="020F0502020204030204"/>
+            </a:endParaRPr>
+          </a:p>
+          <a:p>
+            <a:pPr marL="0" indent="0">
+              <a:buNone/>
+            </a:pPr>
+            <a:endParaRPr lang="en-US">
+              <a:ea typeface="+mn-lt"/>
+              <a:cs typeface="+mn-lt"/>
+            </a:endParaRPr>
+          </a:p>
+          <a:p>
+            <a:pPr marL="0" indent="0">
+              <a:buNone/>
+            </a:pPr>
+            <a:r>
+              <a:rPr lang="en-US" err="1">
+                <a:ea typeface="+mn-lt"/>
+                <a:cs typeface="+mn-lt"/>
+              </a:rPr>
+              <a:t>func</a:t>
+            </a:r>
+            <a:r>
+              <a:rPr lang="en-US">
+                <a:ea typeface="+mn-lt"/>
+                <a:cs typeface="+mn-lt"/>
+              </a:rPr>
+              <a:t> main():</a:t>
+            </a:r>
+            <a:endParaRPr lang="en-US">
+              <a:ea typeface="Calibri" panose="020F0502020204030204"/>
+              <a:cs typeface="Calibri" panose="020F0502020204030204"/>
+            </a:endParaRPr>
+          </a:p>
+          <a:p>
+            <a:pPr marL="0" indent="0">
+              <a:buNone/>
+            </a:pPr>
+            <a:r>
+              <a:rPr lang="en-US">
+                <a:ea typeface="+mn-lt"/>
+                <a:cs typeface="+mn-lt"/>
+              </a:rPr>
+              <a:t>  result is factorial(5)  // result = factorial</a:t>
+            </a:r>
+            <a:endParaRPr lang="en-US">
+              <a:ea typeface="Calibri" panose="020F0502020204030204"/>
+              <a:cs typeface="Calibri" panose="020F0502020204030204"/>
+            </a:endParaRPr>
+          </a:p>
+          <a:p>
+            <a:pPr marL="0" indent="0">
+              <a:buNone/>
+            </a:pPr>
+            <a:r>
+              <a:rPr lang="en-US">
+                <a:ea typeface="+mn-lt"/>
+                <a:cs typeface="+mn-lt"/>
+              </a:rPr>
+              <a:t>  print("Factorial of 5 is: %d", result)</a:t>
+            </a:r>
+            <a:endParaRPr lang="en-US">
+              <a:ea typeface="Calibri" panose="020F0502020204030204"/>
+              <a:cs typeface="Calibri" panose="020F0502020204030204"/>
+            </a:endParaRPr>
+          </a:p>
+          <a:p>
+            <a:pPr marL="0" indent="0">
+              <a:buNone/>
+            </a:pPr>
+            <a:r>
+              <a:rPr lang="en-US">
+                <a:ea typeface="+mn-lt"/>
+                <a:cs typeface="+mn-lt"/>
+              </a:rPr>
+              <a:t>-----------------------------------------------</a:t>
+            </a:r>
+            <a:endParaRPr lang="en-US">
+              <a:ea typeface="Calibri" panose="020F0502020204030204"/>
+              <a:cs typeface="Calibri" panose="020F0502020204030204"/>
+            </a:endParaRPr>
+          </a:p>
+        </p:txBody>
+      </p:sp>
+    </p:spTree>
+    <p:extLst>
+      <p:ext uri="{BB962C8B-B14F-4D97-AF65-F5344CB8AC3E}">
+        <p14:creationId xmlns:p14="http://schemas.microsoft.com/office/powerpoint/2010/main" val="2950993232"/>
+      </p:ext>
+    </p:extLst>
+  </p:cSld>
+  <p:clrMapOvr>
+    <a:masterClrMapping/>
+  </p:clrMapOvr>
+</p:sld>
+</file>
+
+<file path=ppt/slides/slide8.xml><?xml version="1.0" encoding="utf-8"?>
 <p:sld xmlns:a="http://schemas.openxmlformats.org/drawingml/2006/main" xmlns:r="http://schemas.openxmlformats.org/officeDocument/2006/relationships" xmlns:p="http://schemas.openxmlformats.org/presentationml/2006/main">
   <p:cSld>
     <p:bg>
